--- a/example/test.pptx
+++ b/example/test.pptx
@@ -3104,28 +3104,28 @@
           <a:lstStyle/>
           <a:p>
             <a:r>
+              <a:t>Ant and Dec</a:t>
+            </a:r>
+          </a:p>
+        </p:txBody>
+      </p:sp>
+      <p:sp>
+        <p:nvSpPr>
+          <p:cNvPr id="3" name="Subtitle 2"/>
+          <p:cNvSpPr>
+            <a:spLocks noGrp="1"/>
+          </p:cNvSpPr>
+          <p:nvPr>
+            <p:ph type="subTitle" idx="1"/>
+          </p:nvPr>
+        </p:nvSpPr>
+        <p:spPr/>
+        <p:txBody>
+          <a:bodyPr/>
+          <a:lstStyle/>
+          <a:p>
+            <a:r>
               <a:t>How to bully kids (Social Experiment [GONE WRONG])</a:t>
-            </a:r>
-          </a:p>
-        </p:txBody>
-      </p:sp>
-      <p:sp>
-        <p:nvSpPr>
-          <p:cNvPr id="3" name="Subtitle 2"/>
-          <p:cNvSpPr>
-            <a:spLocks noGrp="1"/>
-          </p:cNvSpPr>
-          <p:nvPr>
-            <p:ph type="subTitle" idx="1"/>
-          </p:nvPr>
-        </p:nvSpPr>
-        <p:spPr/>
-        <p:txBody>
-          <a:bodyPr/>
-          <a:lstStyle/>
-          <a:p>
-            <a:r>
-              <a:t>Ant and Dec</a:t>
             </a:r>
           </a:p>
         </p:txBody>
